--- a/slides/Stats_class_II.pptx
+++ b/slides/Stats_class_II.pptx
@@ -5,7 +5,7 @@
     <p:sldMasterId id="2147483677" r:id="rId1"/>
   </p:sldMasterIdLst>
   <p:notesMasterIdLst>
-    <p:notesMasterId r:id="rId40"/>
+    <p:notesMasterId r:id="rId41"/>
   </p:notesMasterIdLst>
   <p:sldIdLst>
     <p:sldId id="256" r:id="rId2"/>
@@ -43,38 +43,39 @@
     <p:sldId id="515" r:id="rId34"/>
     <p:sldId id="516" r:id="rId35"/>
     <p:sldId id="517" r:id="rId36"/>
-    <p:sldId id="482" r:id="rId37"/>
-    <p:sldId id="483" r:id="rId38"/>
-    <p:sldId id="484" r:id="rId39"/>
+    <p:sldId id="566" r:id="rId37"/>
+    <p:sldId id="567" r:id="rId38"/>
+    <p:sldId id="483" r:id="rId39"/>
+    <p:sldId id="484" r:id="rId40"/>
   </p:sldIdLst>
   <p:sldSz cx="9144000" cy="5143500" type="screen16x9"/>
   <p:notesSz cx="6858000" cy="9144000"/>
   <p:embeddedFontLst>
     <p:embeddedFont>
       <p:font typeface="Anaheim" panose="02000503000000000000" pitchFamily="2" charset="77"/>
-      <p:regular r:id="rId41"/>
+      <p:regular r:id="rId42"/>
     </p:embeddedFont>
     <p:embeddedFont>
       <p:font typeface="Baloo 2" panose="020F0502020204030204" pitchFamily="34" charset="0"/>
-      <p:regular r:id="rId42"/>
-      <p:bold r:id="rId43"/>
-      <p:italic r:id="rId44"/>
-      <p:boldItalic r:id="rId45"/>
+      <p:regular r:id="rId43"/>
+      <p:bold r:id="rId44"/>
+      <p:italic r:id="rId45"/>
+      <p:boldItalic r:id="rId46"/>
     </p:embeddedFont>
     <p:embeddedFont>
       <p:font typeface="Cambria Math" panose="02040503050406030204" pitchFamily="18" charset="0"/>
-      <p:regular r:id="rId46"/>
+      <p:regular r:id="rId47"/>
     </p:embeddedFont>
     <p:embeddedFont>
       <p:font typeface="Rockwell" panose="02060603020205020403" pitchFamily="18" charset="77"/>
-      <p:regular r:id="rId47"/>
-      <p:bold r:id="rId48"/>
-      <p:italic r:id="rId49"/>
-      <p:boldItalic r:id="rId50"/>
+      <p:regular r:id="rId48"/>
+      <p:bold r:id="rId49"/>
+      <p:italic r:id="rId50"/>
+      <p:boldItalic r:id="rId51"/>
     </p:embeddedFont>
     <p:embeddedFont>
       <p:font typeface="Zen Dots" pitchFamily="2" charset="0"/>
-      <p:regular r:id="rId51"/>
+      <p:regular r:id="rId52"/>
     </p:embeddedFont>
   </p:embeddedFontLst>
   <p:defaultTextStyle>
@@ -4031,7 +4032,7 @@
     </p:spTree>
     <p:extLst>
       <p:ext uri="{BB962C8B-B14F-4D97-AF65-F5344CB8AC3E}">
-        <p14:creationId xmlns:p14="http://schemas.microsoft.com/office/powerpoint/2010/main" val="723100872"/>
+        <p14:creationId xmlns:p14="http://schemas.microsoft.com/office/powerpoint/2010/main" val="3354210134"/>
       </p:ext>
     </p:extLst>
   </p:cSld>
@@ -4140,6 +4141,115 @@
     </p:spTree>
     <p:extLst>
       <p:ext uri="{BB962C8B-B14F-4D97-AF65-F5344CB8AC3E}">
+        <p14:creationId xmlns:p14="http://schemas.microsoft.com/office/powerpoint/2010/main" val="1570427548"/>
+      </p:ext>
+    </p:extLst>
+  </p:cSld>
+  <p:clrMapOvr>
+    <a:masterClrMapping/>
+  </p:clrMapOvr>
+</p:notes>
+</file>
+
+<file path=ppt/notesSlides/notesSlide38.xml><?xml version="1.0" encoding="utf-8"?>
+<p:notes xmlns:a="http://schemas.openxmlformats.org/drawingml/2006/main" xmlns:r="http://schemas.openxmlformats.org/officeDocument/2006/relationships" xmlns:p="http://schemas.openxmlformats.org/presentationml/2006/main" showMasterSp="0" showMasterPhAnim="0">
+  <p:cSld>
+    <p:spTree>
+      <p:nvGrpSpPr>
+        <p:cNvPr id="1" name="Shape 1748"/>
+        <p:cNvGrpSpPr/>
+        <p:nvPr/>
+      </p:nvGrpSpPr>
+      <p:grpSpPr>
+        <a:xfrm>
+          <a:off x="0" y="0"/>
+          <a:ext cx="0" cy="0"/>
+          <a:chOff x="0" y="0"/>
+          <a:chExt cx="0" cy="0"/>
+        </a:xfrm>
+      </p:grpSpPr>
+      <p:sp>
+        <p:nvSpPr>
+          <p:cNvPr id="1749" name="Google Shape;1749;g86fc84f77b_0_16765:notes"/>
+          <p:cNvSpPr>
+            <a:spLocks noGrp="1" noRot="1" noChangeAspect="1"/>
+          </p:cNvSpPr>
+          <p:nvPr>
+            <p:ph type="sldImg" idx="2"/>
+          </p:nvPr>
+        </p:nvSpPr>
+        <p:spPr>
+          <a:xfrm>
+            <a:off x="381000" y="685800"/>
+            <a:ext cx="6096000" cy="3429000"/>
+          </a:xfrm>
+          <a:custGeom>
+            <a:avLst/>
+            <a:gdLst/>
+            <a:ahLst/>
+            <a:cxnLst/>
+            <a:rect l="l" t="t" r="r" b="b"/>
+            <a:pathLst>
+              <a:path w="120000" h="120000" extrusionOk="0">
+                <a:moveTo>
+                  <a:pt x="0" y="0"/>
+                </a:moveTo>
+                <a:lnTo>
+                  <a:pt x="120000" y="0"/>
+                </a:lnTo>
+                <a:lnTo>
+                  <a:pt x="120000" y="120000"/>
+                </a:lnTo>
+                <a:lnTo>
+                  <a:pt x="0" y="120000"/>
+                </a:lnTo>
+                <a:close/>
+              </a:path>
+            </a:pathLst>
+          </a:custGeom>
+        </p:spPr>
+      </p:sp>
+      <p:sp>
+        <p:nvSpPr>
+          <p:cNvPr id="1750" name="Google Shape;1750;g86fc84f77b_0_16765:notes"/>
+          <p:cNvSpPr txBox="1">
+            <a:spLocks noGrp="1"/>
+          </p:cNvSpPr>
+          <p:nvPr>
+            <p:ph type="body" idx="1"/>
+          </p:nvPr>
+        </p:nvSpPr>
+        <p:spPr>
+          <a:xfrm>
+            <a:off x="685800" y="4343400"/>
+            <a:ext cx="5486400" cy="4114800"/>
+          </a:xfrm>
+          <a:prstGeom prst="rect">
+            <a:avLst/>
+          </a:prstGeom>
+        </p:spPr>
+        <p:txBody>
+          <a:bodyPr spcFirstLastPara="1" wrap="square" lIns="91425" tIns="91425" rIns="91425" bIns="91425" anchor="t" anchorCtr="0">
+            <a:noAutofit/>
+          </a:bodyPr>
+          <a:lstStyle/>
+          <a:p>
+            <a:pPr marL="0" lvl="0" indent="0" algn="l" rtl="0">
+              <a:spcBef>
+                <a:spcPts val="0"/>
+              </a:spcBef>
+              <a:spcAft>
+                <a:spcPts val="0"/>
+              </a:spcAft>
+              <a:buNone/>
+            </a:pPr>
+            <a:endParaRPr/>
+          </a:p>
+        </p:txBody>
+      </p:sp>
+    </p:spTree>
+    <p:extLst>
+      <p:ext uri="{BB962C8B-B14F-4D97-AF65-F5344CB8AC3E}">
         <p14:creationId xmlns:p14="http://schemas.microsoft.com/office/powerpoint/2010/main" val="1908981702"/>
       </p:ext>
     </p:extLst>
@@ -4150,7 +4260,7 @@
 </p:notes>
 </file>
 
-<file path=ppt/notesSlides/notesSlide38.xml><?xml version="1.0" encoding="utf-8"?>
+<file path=ppt/notesSlides/notesSlide39.xml><?xml version="1.0" encoding="utf-8"?>
 <p:notes xmlns:a="http://schemas.openxmlformats.org/drawingml/2006/main" xmlns:r="http://schemas.openxmlformats.org/officeDocument/2006/relationships" xmlns:p="http://schemas.openxmlformats.org/presentationml/2006/main" showMasterSp="0" showMasterPhAnim="0">
   <p:cSld>
     <p:spTree>
@@ -20229,8 +20339,8 @@
           </a:p>
         </p:txBody>
       </p:sp>
-      <mc:AlternateContent xmlns:mc="http://schemas.openxmlformats.org/markup-compatibility/2006">
-        <mc:Choice xmlns:a14="http://schemas.microsoft.com/office/drawing/2010/main" Requires="a14">
+      <mc:AlternateContent xmlns:mc="http://schemas.openxmlformats.org/markup-compatibility/2006" xmlns:a14="http://schemas.microsoft.com/office/drawing/2010/main">
+        <mc:Choice Requires="a14">
           <p:sp>
             <p:nvSpPr>
               <p:cNvPr id="32" name="Google Shape;743;p29">
@@ -21060,7 +21170,7 @@
             </p:txBody>
           </p:sp>
         </mc:Choice>
-        <mc:Fallback>
+        <mc:Fallback xmlns="">
           <p:sp>
             <p:nvSpPr>
               <p:cNvPr id="32" name="Google Shape;743;p29">
@@ -23092,8 +23202,8 @@
           </a:p>
         </p:txBody>
       </p:sp>
-      <mc:AlternateContent xmlns:mc="http://schemas.openxmlformats.org/markup-compatibility/2006">
-        <mc:Choice xmlns:a14="http://schemas.microsoft.com/office/drawing/2010/main" Requires="a14">
+      <mc:AlternateContent xmlns:mc="http://schemas.openxmlformats.org/markup-compatibility/2006" xmlns:a14="http://schemas.microsoft.com/office/drawing/2010/main">
+        <mc:Choice Requires="a14">
           <p:sp>
             <p:nvSpPr>
               <p:cNvPr id="32" name="Google Shape;743;p29">
@@ -23574,7 +23684,7 @@
             </p:txBody>
           </p:sp>
         </mc:Choice>
-        <mc:Fallback>
+        <mc:Fallback xmlns="">
           <p:sp>
             <p:nvSpPr>
               <p:cNvPr id="32" name="Google Shape;743;p29">
@@ -30326,8 +30436,8 @@
           </a:p>
         </p:txBody>
       </p:sp>
-      <mc:AlternateContent xmlns:mc="http://schemas.openxmlformats.org/markup-compatibility/2006">
-        <mc:Choice xmlns:a14="http://schemas.microsoft.com/office/drawing/2010/main" Requires="a14">
+      <mc:AlternateContent xmlns:mc="http://schemas.openxmlformats.org/markup-compatibility/2006" xmlns:a14="http://schemas.microsoft.com/office/drawing/2010/main">
+        <mc:Choice Requires="a14">
           <p:sp>
             <p:nvSpPr>
               <p:cNvPr id="32" name="Google Shape;743;p29">
@@ -30871,7 +30981,7 @@
             </p:txBody>
           </p:sp>
         </mc:Choice>
-        <mc:Fallback>
+        <mc:Fallback xmlns="">
           <p:sp>
             <p:nvSpPr>
               <p:cNvPr id="32" name="Google Shape;743;p29">
@@ -30951,10 +31061,10 @@
       </p:grpSpPr>
       <p:sp>
         <p:nvSpPr>
-          <p:cNvPr id="32" name="Google Shape;743;p29">
+          <p:cNvPr id="21" name="Google Shape;1761;p54">
             <a:extLst>
               <a:ext uri="{FF2B5EF4-FFF2-40B4-BE49-F238E27FC236}">
-                <a16:creationId xmlns:a16="http://schemas.microsoft.com/office/drawing/2014/main" id="{F6371D91-0DD9-5D42-9D6C-DE987020A68B}"/>
+                <a16:creationId xmlns:a16="http://schemas.microsoft.com/office/drawing/2014/main" id="{B4D1DCF0-067E-4742-9D27-C98F256C3AF7}"/>
               </a:ext>
             </a:extLst>
           </p:cNvPr>
@@ -30965,8 +31075,8 @@
         </p:nvSpPr>
         <p:spPr>
           <a:xfrm>
-            <a:off x="868950" y="1074836"/>
-            <a:ext cx="7406100" cy="3209700"/>
+            <a:off x="699715" y="589529"/>
+            <a:ext cx="3363402" cy="573087"/>
           </a:xfrm>
           <a:prstGeom prst="rect">
             <a:avLst/>
@@ -30992,7 +31102,7 @@
                 <a:spcPts val="0"/>
               </a:spcAft>
             </a:defPPr>
-            <a:lvl1pPr marL="457200" marR="0" lvl="0" indent="-342900" algn="ctr" rtl="0">
+            <a:lvl1pPr marR="0" lvl="0" algn="l" rtl="0">
               <a:lnSpc>
                 <a:spcPct val="100000"/>
               </a:lnSpc>
@@ -31003,22 +31113,22 @@
                 <a:spcPts val="0"/>
               </a:spcAft>
               <a:buClr>
-                <a:schemeClr val="dk1"/>
+                <a:schemeClr val="dk2"/>
               </a:buClr>
-              <a:buSzPts val="1600"/>
-              <a:buFont typeface="Baloo 2"/>
+              <a:buSzPts val="2800"/>
+              <a:buFont typeface="Zen Dots"/>
               <a:buNone/>
-              <a:defRPr sz="1600" b="0" i="0" u="none" strike="noStrike" cap="none">
-                <a:solidFill>
-                  <a:schemeClr val="dk1"/>
-                </a:solidFill>
-                <a:latin typeface="Baloo 2"/>
-                <a:ea typeface="Baloo 2"/>
-                <a:cs typeface="Baloo 2"/>
-                <a:sym typeface="Baloo 2"/>
+              <a:defRPr sz="2800" b="0" i="0" u="none" strike="noStrike" cap="none">
+                <a:solidFill>
+                  <a:schemeClr val="dk2"/>
+                </a:solidFill>
+                <a:latin typeface="Zen Dots"/>
+                <a:ea typeface="Zen Dots"/>
+                <a:cs typeface="Zen Dots"/>
+                <a:sym typeface="Zen Dots"/>
               </a:defRPr>
             </a:lvl1pPr>
-            <a:lvl2pPr marL="914400" marR="0" lvl="1" indent="-317500" algn="ctr" rtl="0">
+            <a:lvl2pPr marR="0" lvl="1" algn="l" rtl="0">
               <a:lnSpc>
                 <a:spcPct val="100000"/>
               </a:lnSpc>
@@ -31029,22 +31139,22 @@
                 <a:spcPts val="0"/>
               </a:spcAft>
               <a:buClr>
-                <a:schemeClr val="dk1"/>
+                <a:schemeClr val="dk2"/>
               </a:buClr>
-              <a:buSzPts val="2100"/>
-              <a:buFont typeface="Baloo 2"/>
+              <a:buSzPts val="2800"/>
+              <a:buFont typeface="Zen Dots"/>
               <a:buNone/>
-              <a:defRPr sz="2100" b="0" i="0" u="none" strike="noStrike" cap="none">
-                <a:solidFill>
-                  <a:schemeClr val="dk1"/>
-                </a:solidFill>
-                <a:latin typeface="Baloo 2"/>
-                <a:ea typeface="Baloo 2"/>
-                <a:cs typeface="Baloo 2"/>
-                <a:sym typeface="Baloo 2"/>
+              <a:defRPr sz="2800" b="0" i="0" u="none" strike="noStrike" cap="none">
+                <a:solidFill>
+                  <a:schemeClr val="dk2"/>
+                </a:solidFill>
+                <a:latin typeface="Zen Dots"/>
+                <a:ea typeface="Zen Dots"/>
+                <a:cs typeface="Zen Dots"/>
+                <a:sym typeface="Zen Dots"/>
               </a:defRPr>
             </a:lvl2pPr>
-            <a:lvl3pPr marL="1371600" marR="0" lvl="2" indent="-317500" algn="ctr" rtl="0">
+            <a:lvl3pPr marR="0" lvl="2" algn="l" rtl="0">
               <a:lnSpc>
                 <a:spcPct val="100000"/>
               </a:lnSpc>
@@ -31055,22 +31165,22 @@
                 <a:spcPts val="0"/>
               </a:spcAft>
               <a:buClr>
-                <a:schemeClr val="dk1"/>
+                <a:schemeClr val="dk2"/>
               </a:buClr>
-              <a:buSzPts val="2100"/>
-              <a:buFont typeface="Baloo 2"/>
+              <a:buSzPts val="2800"/>
+              <a:buFont typeface="Zen Dots"/>
               <a:buNone/>
-              <a:defRPr sz="2100" b="0" i="0" u="none" strike="noStrike" cap="none">
-                <a:solidFill>
-                  <a:schemeClr val="dk1"/>
-                </a:solidFill>
-                <a:latin typeface="Baloo 2"/>
-                <a:ea typeface="Baloo 2"/>
-                <a:cs typeface="Baloo 2"/>
-                <a:sym typeface="Baloo 2"/>
+              <a:defRPr sz="2800" b="0" i="0" u="none" strike="noStrike" cap="none">
+                <a:solidFill>
+                  <a:schemeClr val="dk2"/>
+                </a:solidFill>
+                <a:latin typeface="Zen Dots"/>
+                <a:ea typeface="Zen Dots"/>
+                <a:cs typeface="Zen Dots"/>
+                <a:sym typeface="Zen Dots"/>
               </a:defRPr>
             </a:lvl3pPr>
-            <a:lvl4pPr marL="1828800" marR="0" lvl="3" indent="-317500" algn="ctr" rtl="0">
+            <a:lvl4pPr marR="0" lvl="3" algn="l" rtl="0">
               <a:lnSpc>
                 <a:spcPct val="100000"/>
               </a:lnSpc>
@@ -31081,22 +31191,22 @@
                 <a:spcPts val="0"/>
               </a:spcAft>
               <a:buClr>
-                <a:schemeClr val="dk1"/>
+                <a:schemeClr val="dk2"/>
               </a:buClr>
-              <a:buSzPts val="2100"/>
-              <a:buFont typeface="Baloo 2"/>
+              <a:buSzPts val="2800"/>
+              <a:buFont typeface="Zen Dots"/>
               <a:buNone/>
-              <a:defRPr sz="2100" b="0" i="0" u="none" strike="noStrike" cap="none">
-                <a:solidFill>
-                  <a:schemeClr val="dk1"/>
-                </a:solidFill>
-                <a:latin typeface="Baloo 2"/>
-                <a:ea typeface="Baloo 2"/>
-                <a:cs typeface="Baloo 2"/>
-                <a:sym typeface="Baloo 2"/>
+              <a:defRPr sz="2800" b="0" i="0" u="none" strike="noStrike" cap="none">
+                <a:solidFill>
+                  <a:schemeClr val="dk2"/>
+                </a:solidFill>
+                <a:latin typeface="Zen Dots"/>
+                <a:ea typeface="Zen Dots"/>
+                <a:cs typeface="Zen Dots"/>
+                <a:sym typeface="Zen Dots"/>
               </a:defRPr>
             </a:lvl4pPr>
-            <a:lvl5pPr marL="2286000" marR="0" lvl="4" indent="-317500" algn="ctr" rtl="0">
+            <a:lvl5pPr marR="0" lvl="4" algn="l" rtl="0">
               <a:lnSpc>
                 <a:spcPct val="100000"/>
               </a:lnSpc>
@@ -31107,22 +31217,22 @@
                 <a:spcPts val="0"/>
               </a:spcAft>
               <a:buClr>
-                <a:schemeClr val="dk1"/>
+                <a:schemeClr val="dk2"/>
               </a:buClr>
-              <a:buSzPts val="2100"/>
-              <a:buFont typeface="Baloo 2"/>
+              <a:buSzPts val="2800"/>
+              <a:buFont typeface="Zen Dots"/>
               <a:buNone/>
-              <a:defRPr sz="2100" b="0" i="0" u="none" strike="noStrike" cap="none">
-                <a:solidFill>
-                  <a:schemeClr val="dk1"/>
-                </a:solidFill>
-                <a:latin typeface="Baloo 2"/>
-                <a:ea typeface="Baloo 2"/>
-                <a:cs typeface="Baloo 2"/>
-                <a:sym typeface="Baloo 2"/>
+              <a:defRPr sz="2800" b="0" i="0" u="none" strike="noStrike" cap="none">
+                <a:solidFill>
+                  <a:schemeClr val="dk2"/>
+                </a:solidFill>
+                <a:latin typeface="Zen Dots"/>
+                <a:ea typeface="Zen Dots"/>
+                <a:cs typeface="Zen Dots"/>
+                <a:sym typeface="Zen Dots"/>
               </a:defRPr>
             </a:lvl5pPr>
-            <a:lvl6pPr marL="2743200" marR="0" lvl="5" indent="-317500" algn="ctr" rtl="0">
+            <a:lvl6pPr marR="0" lvl="5" algn="l" rtl="0">
               <a:lnSpc>
                 <a:spcPct val="100000"/>
               </a:lnSpc>
@@ -31133,22 +31243,22 @@
                 <a:spcPts val="0"/>
               </a:spcAft>
               <a:buClr>
-                <a:schemeClr val="dk1"/>
+                <a:schemeClr val="dk2"/>
               </a:buClr>
-              <a:buSzPts val="2100"/>
-              <a:buFont typeface="Baloo 2"/>
+              <a:buSzPts val="2800"/>
+              <a:buFont typeface="Zen Dots"/>
               <a:buNone/>
-              <a:defRPr sz="2100" b="0" i="0" u="none" strike="noStrike" cap="none">
-                <a:solidFill>
-                  <a:schemeClr val="dk1"/>
-                </a:solidFill>
-                <a:latin typeface="Baloo 2"/>
-                <a:ea typeface="Baloo 2"/>
-                <a:cs typeface="Baloo 2"/>
-                <a:sym typeface="Baloo 2"/>
+              <a:defRPr sz="2800" b="0" i="0" u="none" strike="noStrike" cap="none">
+                <a:solidFill>
+                  <a:schemeClr val="dk2"/>
+                </a:solidFill>
+                <a:latin typeface="Zen Dots"/>
+                <a:ea typeface="Zen Dots"/>
+                <a:cs typeface="Zen Dots"/>
+                <a:sym typeface="Zen Dots"/>
               </a:defRPr>
             </a:lvl6pPr>
-            <a:lvl7pPr marL="3200400" marR="0" lvl="6" indent="-317500" algn="ctr" rtl="0">
+            <a:lvl7pPr marR="0" lvl="6" algn="l" rtl="0">
               <a:lnSpc>
                 <a:spcPct val="100000"/>
               </a:lnSpc>
@@ -31159,22 +31269,22 @@
                 <a:spcPts val="0"/>
               </a:spcAft>
               <a:buClr>
-                <a:schemeClr val="dk1"/>
+                <a:schemeClr val="dk2"/>
               </a:buClr>
-              <a:buSzPts val="2100"/>
-              <a:buFont typeface="Baloo 2"/>
+              <a:buSzPts val="2800"/>
+              <a:buFont typeface="Zen Dots"/>
               <a:buNone/>
-              <a:defRPr sz="2100" b="0" i="0" u="none" strike="noStrike" cap="none">
-                <a:solidFill>
-                  <a:schemeClr val="dk1"/>
-                </a:solidFill>
-                <a:latin typeface="Baloo 2"/>
-                <a:ea typeface="Baloo 2"/>
-                <a:cs typeface="Baloo 2"/>
-                <a:sym typeface="Baloo 2"/>
+              <a:defRPr sz="2800" b="0" i="0" u="none" strike="noStrike" cap="none">
+                <a:solidFill>
+                  <a:schemeClr val="dk2"/>
+                </a:solidFill>
+                <a:latin typeface="Zen Dots"/>
+                <a:ea typeface="Zen Dots"/>
+                <a:cs typeface="Zen Dots"/>
+                <a:sym typeface="Zen Dots"/>
               </a:defRPr>
             </a:lvl7pPr>
-            <a:lvl8pPr marL="3657600" marR="0" lvl="7" indent="-317500" algn="ctr" rtl="0">
+            <a:lvl8pPr marR="0" lvl="7" algn="l" rtl="0">
               <a:lnSpc>
                 <a:spcPct val="100000"/>
               </a:lnSpc>
@@ -31185,22 +31295,22 @@
                 <a:spcPts val="0"/>
               </a:spcAft>
               <a:buClr>
-                <a:schemeClr val="dk1"/>
+                <a:schemeClr val="dk2"/>
               </a:buClr>
-              <a:buSzPts val="2100"/>
-              <a:buFont typeface="Baloo 2"/>
+              <a:buSzPts val="2800"/>
+              <a:buFont typeface="Zen Dots"/>
               <a:buNone/>
-              <a:defRPr sz="2100" b="0" i="0" u="none" strike="noStrike" cap="none">
-                <a:solidFill>
-                  <a:schemeClr val="dk1"/>
-                </a:solidFill>
-                <a:latin typeface="Baloo 2"/>
-                <a:ea typeface="Baloo 2"/>
-                <a:cs typeface="Baloo 2"/>
-                <a:sym typeface="Baloo 2"/>
+              <a:defRPr sz="2800" b="0" i="0" u="none" strike="noStrike" cap="none">
+                <a:solidFill>
+                  <a:schemeClr val="dk2"/>
+                </a:solidFill>
+                <a:latin typeface="Zen Dots"/>
+                <a:ea typeface="Zen Dots"/>
+                <a:cs typeface="Zen Dots"/>
+                <a:sym typeface="Zen Dots"/>
               </a:defRPr>
             </a:lvl8pPr>
-            <a:lvl9pPr marL="4114800" marR="0" lvl="8" indent="-317500" algn="ctr" rtl="0">
+            <a:lvl9pPr marR="0" lvl="8" algn="l" rtl="0">
               <a:lnSpc>
                 <a:spcPct val="100000"/>
               </a:lnSpc>
@@ -31211,39 +31321,98 @@
                 <a:spcPts val="0"/>
               </a:spcAft>
               <a:buClr>
-                <a:schemeClr val="dk1"/>
+                <a:schemeClr val="dk2"/>
               </a:buClr>
-              <a:buSzPts val="2100"/>
-              <a:buFont typeface="Baloo 2"/>
+              <a:buSzPts val="2800"/>
+              <a:buFont typeface="Zen Dots"/>
               <a:buNone/>
-              <a:defRPr sz="2100" b="0" i="0" u="none" strike="noStrike" cap="none">
-                <a:solidFill>
-                  <a:schemeClr val="dk1"/>
-                </a:solidFill>
-                <a:latin typeface="Baloo 2"/>
-                <a:ea typeface="Baloo 2"/>
-                <a:cs typeface="Baloo 2"/>
-                <a:sym typeface="Baloo 2"/>
+              <a:defRPr sz="2800" b="0" i="0" u="none" strike="noStrike" cap="none">
+                <a:solidFill>
+                  <a:schemeClr val="dk2"/>
+                </a:solidFill>
+                <a:latin typeface="Zen Dots"/>
+                <a:ea typeface="Zen Dots"/>
+                <a:cs typeface="Zen Dots"/>
+                <a:sym typeface="Zen Dots"/>
               </a:defRPr>
             </a:lvl9pPr>
           </a:lstStyle>
           <a:p>
-            <a:pPr algn="l">
-              <a:lnSpc>
-                <a:spcPct val="150000"/>
-              </a:lnSpc>
-            </a:pPr>
+            <a:pPr algn="ctr"/>
             <a:r>
-              <a:rPr lang="en-US" sz="2000" dirty="0">
-                <a:solidFill>
-                  <a:schemeClr val="accent3"/>
+              <a:rPr lang="en-CA" dirty="0">
+                <a:solidFill>
+                  <a:schemeClr val="tx2">
+                    <a:lumMod val="20000"/>
+                    <a:lumOff val="80000"/>
+                  </a:schemeClr>
                 </a:solidFill>
               </a:rPr>
-              <a:t>MAKE EXAMPLE PLOT USING OUR DATA </a:t>
+              <a:t>Linear Regression Models</a:t>
             </a:r>
           </a:p>
         </p:txBody>
       </p:sp>
+      <p:pic>
+        <p:nvPicPr>
+          <p:cNvPr id="3" name="Picture 2">
+            <a:extLst>
+              <a:ext uri="{FF2B5EF4-FFF2-40B4-BE49-F238E27FC236}">
+                <a16:creationId xmlns:a16="http://schemas.microsoft.com/office/drawing/2014/main" id="{6483642A-1C42-4B43-A01F-2112DBFADDA9}"/>
+              </a:ext>
+            </a:extLst>
+          </p:cNvPr>
+          <p:cNvPicPr>
+            <a:picLocks noChangeAspect="1"/>
+          </p:cNvPicPr>
+          <p:nvPr/>
+        </p:nvPicPr>
+        <p:blipFill>
+          <a:blip r:embed="rId3"/>
+          <a:stretch>
+            <a:fillRect/>
+          </a:stretch>
+        </p:blipFill>
+        <p:spPr>
+          <a:xfrm>
+            <a:off x="4572000" y="588963"/>
+            <a:ext cx="4201767" cy="4201767"/>
+          </a:xfrm>
+          <a:prstGeom prst="rect">
+            <a:avLst/>
+          </a:prstGeom>
+        </p:spPr>
+      </p:pic>
+    </p:spTree>
+    <p:extLst>
+      <p:ext uri="{BB962C8B-B14F-4D97-AF65-F5344CB8AC3E}">
+        <p14:creationId xmlns:p14="http://schemas.microsoft.com/office/powerpoint/2010/main" val="675276050"/>
+      </p:ext>
+    </p:extLst>
+  </p:cSld>
+  <p:clrMapOvr>
+    <a:masterClrMapping/>
+  </p:clrMapOvr>
+</p:sld>
+</file>
+
+<file path=ppt/slides/slide37.xml><?xml version="1.0" encoding="utf-8"?>
+<p:sld xmlns:a="http://schemas.openxmlformats.org/drawingml/2006/main" xmlns:r="http://schemas.openxmlformats.org/officeDocument/2006/relationships" xmlns:p="http://schemas.openxmlformats.org/presentationml/2006/main">
+  <p:cSld>
+    <p:spTree>
+      <p:nvGrpSpPr>
+        <p:cNvPr id="1" name="Shape 1751"/>
+        <p:cNvGrpSpPr/>
+        <p:nvPr/>
+      </p:nvGrpSpPr>
+      <p:grpSpPr>
+        <a:xfrm>
+          <a:off x="0" y="0"/>
+          <a:ext cx="0" cy="0"/>
+          <a:chOff x="0" y="0"/>
+          <a:chExt cx="0" cy="0"/>
+        </a:xfrm>
+      </p:grpSpPr>
       <p:sp>
         <p:nvSpPr>
           <p:cNvPr id="21" name="Google Shape;1761;p54">
@@ -31260,8 +31429,8 @@
         </p:nvSpPr>
         <p:spPr>
           <a:xfrm>
-            <a:off x="0" y="588963"/>
-            <a:ext cx="7734300" cy="573087"/>
+            <a:off x="699715" y="589529"/>
+            <a:ext cx="3363402" cy="573087"/>
           </a:xfrm>
           <a:prstGeom prst="rect">
             <a:avLst/>
@@ -31525,7 +31694,7 @@
           <a:p>
             <a:pPr algn="ctr"/>
             <a:r>
-              <a:rPr lang="en-CA">
+              <a:rPr lang="en-CA" dirty="0">
                 <a:solidFill>
                   <a:schemeClr val="tx2">
                     <a:lumMod val="20000"/>
@@ -31535,21 +31704,683 @@
               </a:rPr>
               <a:t>Linear Regression Models</a:t>
             </a:r>
-            <a:endParaRPr lang="en-CA" dirty="0">
-              <a:solidFill>
-                <a:schemeClr val="tx2">
-                  <a:lumMod val="20000"/>
-                  <a:lumOff val="80000"/>
-                </a:schemeClr>
-              </a:solidFill>
-            </a:endParaRPr>
           </a:p>
         </p:txBody>
       </p:sp>
+      <p:pic>
+        <p:nvPicPr>
+          <p:cNvPr id="3" name="Picture 2">
+            <a:extLst>
+              <a:ext uri="{FF2B5EF4-FFF2-40B4-BE49-F238E27FC236}">
+                <a16:creationId xmlns:a16="http://schemas.microsoft.com/office/drawing/2014/main" id="{6483642A-1C42-4B43-A01F-2112DBFADDA9}"/>
+              </a:ext>
+            </a:extLst>
+          </p:cNvPr>
+          <p:cNvPicPr>
+            <a:picLocks noChangeAspect="1"/>
+          </p:cNvPicPr>
+          <p:nvPr/>
+        </p:nvPicPr>
+        <p:blipFill>
+          <a:blip r:embed="rId3"/>
+          <a:stretch>
+            <a:fillRect/>
+          </a:stretch>
+        </p:blipFill>
+        <p:spPr>
+          <a:xfrm>
+            <a:off x="4572000" y="588963"/>
+            <a:ext cx="4201767" cy="4201767"/>
+          </a:xfrm>
+          <a:prstGeom prst="rect">
+            <a:avLst/>
+          </a:prstGeom>
+        </p:spPr>
+      </p:pic>
+      <p:cxnSp>
+        <p:nvCxnSpPr>
+          <p:cNvPr id="4" name="Straight Connector 3">
+            <a:extLst>
+              <a:ext uri="{FF2B5EF4-FFF2-40B4-BE49-F238E27FC236}">
+                <a16:creationId xmlns:a16="http://schemas.microsoft.com/office/drawing/2014/main" id="{3D7CE9D4-996C-2B44-81B7-52844568476F}"/>
+              </a:ext>
+            </a:extLst>
+          </p:cNvPr>
+          <p:cNvCxnSpPr/>
+          <p:nvPr/>
+        </p:nvCxnSpPr>
+        <p:spPr>
+          <a:xfrm>
+            <a:off x="5337914" y="1826118"/>
+            <a:ext cx="0" cy="1232452"/>
+          </a:xfrm>
+          <a:prstGeom prst="line">
+            <a:avLst/>
+          </a:prstGeom>
+          <a:ln>
+            <a:solidFill>
+              <a:schemeClr val="bg1">
+                <a:lumMod val="50000"/>
+              </a:schemeClr>
+            </a:solidFill>
+            <a:prstDash val="dash"/>
+          </a:ln>
+        </p:spPr>
+        <p:style>
+          <a:lnRef idx="1">
+            <a:schemeClr val="accent1"/>
+          </a:lnRef>
+          <a:fillRef idx="0">
+            <a:schemeClr val="accent1"/>
+          </a:fillRef>
+          <a:effectRef idx="0">
+            <a:schemeClr val="accent1"/>
+          </a:effectRef>
+          <a:fontRef idx="minor">
+            <a:schemeClr val="tx1"/>
+          </a:fontRef>
+        </p:style>
+      </p:cxnSp>
+      <p:cxnSp>
+        <p:nvCxnSpPr>
+          <p:cNvPr id="6" name="Straight Connector 5">
+            <a:extLst>
+              <a:ext uri="{FF2B5EF4-FFF2-40B4-BE49-F238E27FC236}">
+                <a16:creationId xmlns:a16="http://schemas.microsoft.com/office/drawing/2014/main" id="{2EE4C3D4-95D1-B142-835C-D411495BC148}"/>
+              </a:ext>
+            </a:extLst>
+          </p:cNvPr>
+          <p:cNvCxnSpPr>
+            <a:cxnSpLocks/>
+          </p:cNvCxnSpPr>
+          <p:nvPr/>
+        </p:nvCxnSpPr>
+        <p:spPr>
+          <a:xfrm>
+            <a:off x="7452021" y="1393728"/>
+            <a:ext cx="0" cy="924170"/>
+          </a:xfrm>
+          <a:prstGeom prst="line">
+            <a:avLst/>
+          </a:prstGeom>
+          <a:ln>
+            <a:solidFill>
+              <a:schemeClr val="bg1">
+                <a:lumMod val="50000"/>
+              </a:schemeClr>
+            </a:solidFill>
+            <a:prstDash val="dash"/>
+          </a:ln>
+        </p:spPr>
+        <p:style>
+          <a:lnRef idx="1">
+            <a:schemeClr val="accent1"/>
+          </a:lnRef>
+          <a:fillRef idx="0">
+            <a:schemeClr val="accent1"/>
+          </a:fillRef>
+          <a:effectRef idx="0">
+            <a:schemeClr val="accent1"/>
+          </a:effectRef>
+          <a:fontRef idx="minor">
+            <a:schemeClr val="tx1"/>
+          </a:fontRef>
+        </p:style>
+      </p:cxnSp>
+      <p:cxnSp>
+        <p:nvCxnSpPr>
+          <p:cNvPr id="8" name="Straight Connector 7">
+            <a:extLst>
+              <a:ext uri="{FF2B5EF4-FFF2-40B4-BE49-F238E27FC236}">
+                <a16:creationId xmlns:a16="http://schemas.microsoft.com/office/drawing/2014/main" id="{3C756437-528C-0A42-A372-786092A52AB2}"/>
+              </a:ext>
+            </a:extLst>
+          </p:cNvPr>
+          <p:cNvCxnSpPr>
+            <a:cxnSpLocks/>
+          </p:cNvCxnSpPr>
+          <p:nvPr/>
+        </p:nvCxnSpPr>
+        <p:spPr>
+          <a:xfrm>
+            <a:off x="6303705" y="2143322"/>
+            <a:ext cx="0" cy="605194"/>
+          </a:xfrm>
+          <a:prstGeom prst="line">
+            <a:avLst/>
+          </a:prstGeom>
+          <a:ln>
+            <a:solidFill>
+              <a:schemeClr val="bg1">
+                <a:lumMod val="50000"/>
+              </a:schemeClr>
+            </a:solidFill>
+            <a:prstDash val="dash"/>
+          </a:ln>
+        </p:spPr>
+        <p:style>
+          <a:lnRef idx="1">
+            <a:schemeClr val="accent1"/>
+          </a:lnRef>
+          <a:fillRef idx="0">
+            <a:schemeClr val="accent1"/>
+          </a:fillRef>
+          <a:effectRef idx="0">
+            <a:schemeClr val="accent1"/>
+          </a:effectRef>
+          <a:fontRef idx="minor">
+            <a:schemeClr val="tx1"/>
+          </a:fontRef>
+        </p:style>
+      </p:cxnSp>
+      <p:cxnSp>
+        <p:nvCxnSpPr>
+          <p:cNvPr id="10" name="Straight Connector 9">
+            <a:extLst>
+              <a:ext uri="{FF2B5EF4-FFF2-40B4-BE49-F238E27FC236}">
+                <a16:creationId xmlns:a16="http://schemas.microsoft.com/office/drawing/2014/main" id="{8C0939BE-8A54-9A4D-9613-16656B4A6C0C}"/>
+              </a:ext>
+            </a:extLst>
+          </p:cNvPr>
+          <p:cNvCxnSpPr/>
+          <p:nvPr/>
+        </p:nvCxnSpPr>
+        <p:spPr>
+          <a:xfrm>
+            <a:off x="5889034" y="2962030"/>
+            <a:ext cx="0" cy="1232452"/>
+          </a:xfrm>
+          <a:prstGeom prst="line">
+            <a:avLst/>
+          </a:prstGeom>
+          <a:ln>
+            <a:solidFill>
+              <a:schemeClr val="bg1">
+                <a:lumMod val="50000"/>
+              </a:schemeClr>
+            </a:solidFill>
+            <a:prstDash val="dash"/>
+          </a:ln>
+        </p:spPr>
+        <p:style>
+          <a:lnRef idx="1">
+            <a:schemeClr val="accent1"/>
+          </a:lnRef>
+          <a:fillRef idx="0">
+            <a:schemeClr val="accent1"/>
+          </a:fillRef>
+          <a:effectRef idx="0">
+            <a:schemeClr val="accent1"/>
+          </a:effectRef>
+          <a:fontRef idx="minor">
+            <a:schemeClr val="tx1"/>
+          </a:fontRef>
+        </p:style>
+      </p:cxnSp>
+      <p:cxnSp>
+        <p:nvCxnSpPr>
+          <p:cNvPr id="11" name="Straight Connector 10">
+            <a:extLst>
+              <a:ext uri="{FF2B5EF4-FFF2-40B4-BE49-F238E27FC236}">
+                <a16:creationId xmlns:a16="http://schemas.microsoft.com/office/drawing/2014/main" id="{736B872A-4E67-1E4C-83AB-84AD7D1318C6}"/>
+              </a:ext>
+            </a:extLst>
+          </p:cNvPr>
+          <p:cNvCxnSpPr>
+            <a:cxnSpLocks/>
+          </p:cNvCxnSpPr>
+          <p:nvPr/>
+        </p:nvCxnSpPr>
+        <p:spPr>
+          <a:xfrm>
+            <a:off x="6351551" y="2748516"/>
+            <a:ext cx="0" cy="1055686"/>
+          </a:xfrm>
+          <a:prstGeom prst="line">
+            <a:avLst/>
+          </a:prstGeom>
+          <a:ln>
+            <a:solidFill>
+              <a:schemeClr val="bg1">
+                <a:lumMod val="50000"/>
+              </a:schemeClr>
+            </a:solidFill>
+            <a:prstDash val="dash"/>
+          </a:ln>
+        </p:spPr>
+        <p:style>
+          <a:lnRef idx="1">
+            <a:schemeClr val="accent1"/>
+          </a:lnRef>
+          <a:fillRef idx="0">
+            <a:schemeClr val="accent1"/>
+          </a:fillRef>
+          <a:effectRef idx="0">
+            <a:schemeClr val="accent1"/>
+          </a:effectRef>
+          <a:fontRef idx="minor">
+            <a:schemeClr val="tx1"/>
+          </a:fontRef>
+        </p:style>
+      </p:cxnSp>
+      <p:cxnSp>
+        <p:nvCxnSpPr>
+          <p:cNvPr id="13" name="Straight Connector 12">
+            <a:extLst>
+              <a:ext uri="{FF2B5EF4-FFF2-40B4-BE49-F238E27FC236}">
+                <a16:creationId xmlns:a16="http://schemas.microsoft.com/office/drawing/2014/main" id="{9A0F7879-CB8D-6F4F-91A1-EDAC253647BA}"/>
+              </a:ext>
+            </a:extLst>
+          </p:cNvPr>
+          <p:cNvCxnSpPr>
+            <a:cxnSpLocks/>
+          </p:cNvCxnSpPr>
+          <p:nvPr/>
+        </p:nvCxnSpPr>
+        <p:spPr>
+          <a:xfrm>
+            <a:off x="6436612" y="2689846"/>
+            <a:ext cx="0" cy="852443"/>
+          </a:xfrm>
+          <a:prstGeom prst="line">
+            <a:avLst/>
+          </a:prstGeom>
+          <a:ln>
+            <a:solidFill>
+              <a:schemeClr val="bg1">
+                <a:lumMod val="50000"/>
+              </a:schemeClr>
+            </a:solidFill>
+            <a:prstDash val="dash"/>
+          </a:ln>
+        </p:spPr>
+        <p:style>
+          <a:lnRef idx="1">
+            <a:schemeClr val="accent1"/>
+          </a:lnRef>
+          <a:fillRef idx="0">
+            <a:schemeClr val="accent1"/>
+          </a:fillRef>
+          <a:effectRef idx="0">
+            <a:schemeClr val="accent1"/>
+          </a:effectRef>
+          <a:fontRef idx="minor">
+            <a:schemeClr val="tx1"/>
+          </a:fontRef>
+        </p:style>
+      </p:cxnSp>
+      <p:cxnSp>
+        <p:nvCxnSpPr>
+          <p:cNvPr id="15" name="Straight Connector 14">
+            <a:extLst>
+              <a:ext uri="{FF2B5EF4-FFF2-40B4-BE49-F238E27FC236}">
+                <a16:creationId xmlns:a16="http://schemas.microsoft.com/office/drawing/2014/main" id="{BCD91897-7614-4948-8E4F-D616A04183E4}"/>
+              </a:ext>
+            </a:extLst>
+          </p:cNvPr>
+          <p:cNvCxnSpPr>
+            <a:cxnSpLocks/>
+          </p:cNvCxnSpPr>
+          <p:nvPr/>
+        </p:nvCxnSpPr>
+        <p:spPr>
+          <a:xfrm>
+            <a:off x="5819924" y="2571750"/>
+            <a:ext cx="0" cy="390280"/>
+          </a:xfrm>
+          <a:prstGeom prst="line">
+            <a:avLst/>
+          </a:prstGeom>
+          <a:ln>
+            <a:solidFill>
+              <a:schemeClr val="bg1">
+                <a:lumMod val="50000"/>
+              </a:schemeClr>
+            </a:solidFill>
+            <a:prstDash val="dash"/>
+          </a:ln>
+        </p:spPr>
+        <p:style>
+          <a:lnRef idx="1">
+            <a:schemeClr val="accent1"/>
+          </a:lnRef>
+          <a:fillRef idx="0">
+            <a:schemeClr val="accent1"/>
+          </a:fillRef>
+          <a:effectRef idx="0">
+            <a:schemeClr val="accent1"/>
+          </a:effectRef>
+          <a:fontRef idx="minor">
+            <a:schemeClr val="tx1"/>
+          </a:fontRef>
+        </p:style>
+      </p:cxnSp>
+      <p:cxnSp>
+        <p:nvCxnSpPr>
+          <p:cNvPr id="17" name="Straight Connector 16">
+            <a:extLst>
+              <a:ext uri="{FF2B5EF4-FFF2-40B4-BE49-F238E27FC236}">
+                <a16:creationId xmlns:a16="http://schemas.microsoft.com/office/drawing/2014/main" id="{1D8A4303-3789-EF4C-9F7D-5194D69357A2}"/>
+              </a:ext>
+            </a:extLst>
+          </p:cNvPr>
+          <p:cNvCxnSpPr>
+            <a:cxnSpLocks/>
+          </p:cNvCxnSpPr>
+          <p:nvPr/>
+        </p:nvCxnSpPr>
+        <p:spPr>
+          <a:xfrm>
+            <a:off x="7616826" y="1791119"/>
+            <a:ext cx="0" cy="441718"/>
+          </a:xfrm>
+          <a:prstGeom prst="line">
+            <a:avLst/>
+          </a:prstGeom>
+          <a:ln>
+            <a:solidFill>
+              <a:schemeClr val="bg1">
+                <a:lumMod val="50000"/>
+              </a:schemeClr>
+            </a:solidFill>
+            <a:prstDash val="dash"/>
+          </a:ln>
+        </p:spPr>
+        <p:style>
+          <a:lnRef idx="1">
+            <a:schemeClr val="accent1"/>
+          </a:lnRef>
+          <a:fillRef idx="0">
+            <a:schemeClr val="accent1"/>
+          </a:fillRef>
+          <a:effectRef idx="0">
+            <a:schemeClr val="accent1"/>
+          </a:effectRef>
+          <a:fontRef idx="minor">
+            <a:schemeClr val="tx1"/>
+          </a:fontRef>
+        </p:style>
+      </p:cxnSp>
+      <p:cxnSp>
+        <p:nvCxnSpPr>
+          <p:cNvPr id="19" name="Straight Connector 18">
+            <a:extLst>
+              <a:ext uri="{FF2B5EF4-FFF2-40B4-BE49-F238E27FC236}">
+                <a16:creationId xmlns:a16="http://schemas.microsoft.com/office/drawing/2014/main" id="{9AC082FC-B9B4-AE4C-8546-7D25A0F347D8}"/>
+              </a:ext>
+            </a:extLst>
+          </p:cNvPr>
+          <p:cNvCxnSpPr>
+            <a:cxnSpLocks/>
+          </p:cNvCxnSpPr>
+          <p:nvPr/>
+        </p:nvCxnSpPr>
+        <p:spPr>
+          <a:xfrm>
+            <a:off x="8552491" y="1534438"/>
+            <a:ext cx="0" cy="321375"/>
+          </a:xfrm>
+          <a:prstGeom prst="line">
+            <a:avLst/>
+          </a:prstGeom>
+          <a:ln>
+            <a:solidFill>
+              <a:schemeClr val="bg1">
+                <a:lumMod val="50000"/>
+              </a:schemeClr>
+            </a:solidFill>
+            <a:prstDash val="dash"/>
+          </a:ln>
+        </p:spPr>
+        <p:style>
+          <a:lnRef idx="1">
+            <a:schemeClr val="accent1"/>
+          </a:lnRef>
+          <a:fillRef idx="0">
+            <a:schemeClr val="accent1"/>
+          </a:fillRef>
+          <a:effectRef idx="0">
+            <a:schemeClr val="accent1"/>
+          </a:effectRef>
+          <a:fontRef idx="minor">
+            <a:schemeClr val="tx1"/>
+          </a:fontRef>
+        </p:style>
+      </p:cxnSp>
+      <p:cxnSp>
+        <p:nvCxnSpPr>
+          <p:cNvPr id="22" name="Straight Connector 21">
+            <a:extLst>
+              <a:ext uri="{FF2B5EF4-FFF2-40B4-BE49-F238E27FC236}">
+                <a16:creationId xmlns:a16="http://schemas.microsoft.com/office/drawing/2014/main" id="{A7DA8C30-82CB-CE43-AC6D-B28A011297D6}"/>
+              </a:ext>
+            </a:extLst>
+          </p:cNvPr>
+          <p:cNvCxnSpPr>
+            <a:cxnSpLocks/>
+          </p:cNvCxnSpPr>
+          <p:nvPr/>
+        </p:nvCxnSpPr>
+        <p:spPr>
+          <a:xfrm>
+            <a:off x="6776853" y="2571750"/>
+            <a:ext cx="0" cy="616226"/>
+          </a:xfrm>
+          <a:prstGeom prst="line">
+            <a:avLst/>
+          </a:prstGeom>
+          <a:ln>
+            <a:solidFill>
+              <a:schemeClr val="bg1">
+                <a:lumMod val="50000"/>
+              </a:schemeClr>
+            </a:solidFill>
+            <a:prstDash val="dash"/>
+          </a:ln>
+        </p:spPr>
+        <p:style>
+          <a:lnRef idx="1">
+            <a:schemeClr val="accent1"/>
+          </a:lnRef>
+          <a:fillRef idx="0">
+            <a:schemeClr val="accent1"/>
+          </a:fillRef>
+          <a:effectRef idx="0">
+            <a:schemeClr val="accent1"/>
+          </a:effectRef>
+          <a:fontRef idx="minor">
+            <a:schemeClr val="tx1"/>
+          </a:fontRef>
+        </p:style>
+      </p:cxnSp>
+      <p:cxnSp>
+        <p:nvCxnSpPr>
+          <p:cNvPr id="23" name="Straight Connector 22">
+            <a:extLst>
+              <a:ext uri="{FF2B5EF4-FFF2-40B4-BE49-F238E27FC236}">
+                <a16:creationId xmlns:a16="http://schemas.microsoft.com/office/drawing/2014/main" id="{7833D561-D023-F047-B4DE-5516A583CD91}"/>
+              </a:ext>
+            </a:extLst>
+          </p:cNvPr>
+          <p:cNvCxnSpPr>
+            <a:cxnSpLocks/>
+          </p:cNvCxnSpPr>
+          <p:nvPr/>
+        </p:nvCxnSpPr>
+        <p:spPr>
+          <a:xfrm>
+            <a:off x="7042668" y="2482702"/>
+            <a:ext cx="0" cy="738709"/>
+          </a:xfrm>
+          <a:prstGeom prst="line">
+            <a:avLst/>
+          </a:prstGeom>
+          <a:ln>
+            <a:solidFill>
+              <a:schemeClr val="bg1">
+                <a:lumMod val="50000"/>
+              </a:schemeClr>
+            </a:solidFill>
+            <a:prstDash val="dash"/>
+          </a:ln>
+        </p:spPr>
+        <p:style>
+          <a:lnRef idx="1">
+            <a:schemeClr val="accent1"/>
+          </a:lnRef>
+          <a:fillRef idx="0">
+            <a:schemeClr val="accent1"/>
+          </a:fillRef>
+          <a:effectRef idx="0">
+            <a:schemeClr val="accent1"/>
+          </a:effectRef>
+          <a:fontRef idx="minor">
+            <a:schemeClr val="tx1"/>
+          </a:fontRef>
+        </p:style>
+      </p:cxnSp>
+      <p:cxnSp>
+        <p:nvCxnSpPr>
+          <p:cNvPr id="25" name="Straight Connector 24">
+            <a:extLst>
+              <a:ext uri="{FF2B5EF4-FFF2-40B4-BE49-F238E27FC236}">
+                <a16:creationId xmlns:a16="http://schemas.microsoft.com/office/drawing/2014/main" id="{44F46E22-DBBF-2B47-8CE2-C65199D40679}"/>
+              </a:ext>
+            </a:extLst>
+          </p:cNvPr>
+          <p:cNvCxnSpPr>
+            <a:cxnSpLocks/>
+          </p:cNvCxnSpPr>
+          <p:nvPr/>
+        </p:nvCxnSpPr>
+        <p:spPr>
+          <a:xfrm>
+            <a:off x="5171338" y="2852056"/>
+            <a:ext cx="0" cy="369355"/>
+          </a:xfrm>
+          <a:prstGeom prst="line">
+            <a:avLst/>
+          </a:prstGeom>
+          <a:ln>
+            <a:solidFill>
+              <a:schemeClr val="bg1">
+                <a:lumMod val="50000"/>
+              </a:schemeClr>
+            </a:solidFill>
+            <a:prstDash val="dash"/>
+          </a:ln>
+        </p:spPr>
+        <p:style>
+          <a:lnRef idx="1">
+            <a:schemeClr val="accent1"/>
+          </a:lnRef>
+          <a:fillRef idx="0">
+            <a:schemeClr val="accent1"/>
+          </a:fillRef>
+          <a:effectRef idx="0">
+            <a:schemeClr val="accent1"/>
+          </a:effectRef>
+          <a:fontRef idx="minor">
+            <a:schemeClr val="tx1"/>
+          </a:fontRef>
+        </p:style>
+      </p:cxnSp>
+      <p:cxnSp>
+        <p:nvCxnSpPr>
+          <p:cNvPr id="27" name="Straight Connector 26">
+            <a:extLst>
+              <a:ext uri="{FF2B5EF4-FFF2-40B4-BE49-F238E27FC236}">
+                <a16:creationId xmlns:a16="http://schemas.microsoft.com/office/drawing/2014/main" id="{FCC45F27-E6F9-FF49-AAA0-883AF4D0312E}"/>
+              </a:ext>
+            </a:extLst>
+          </p:cNvPr>
+          <p:cNvCxnSpPr>
+            <a:cxnSpLocks/>
+          </p:cNvCxnSpPr>
+          <p:nvPr/>
+        </p:nvCxnSpPr>
+        <p:spPr>
+          <a:xfrm>
+            <a:off x="5734863" y="2852056"/>
+            <a:ext cx="0" cy="109974"/>
+          </a:xfrm>
+          <a:prstGeom prst="line">
+            <a:avLst/>
+          </a:prstGeom>
+          <a:ln>
+            <a:solidFill>
+              <a:schemeClr val="bg1">
+                <a:lumMod val="50000"/>
+              </a:schemeClr>
+            </a:solidFill>
+            <a:prstDash val="dash"/>
+          </a:ln>
+        </p:spPr>
+        <p:style>
+          <a:lnRef idx="1">
+            <a:schemeClr val="accent1"/>
+          </a:lnRef>
+          <a:fillRef idx="0">
+            <a:schemeClr val="accent1"/>
+          </a:fillRef>
+          <a:effectRef idx="0">
+            <a:schemeClr val="accent1"/>
+          </a:effectRef>
+          <a:fontRef idx="minor">
+            <a:schemeClr val="tx1"/>
+          </a:fontRef>
+        </p:style>
+      </p:cxnSp>
+      <p:cxnSp>
+        <p:nvCxnSpPr>
+          <p:cNvPr id="29" name="Straight Connector 28">
+            <a:extLst>
+              <a:ext uri="{FF2B5EF4-FFF2-40B4-BE49-F238E27FC236}">
+                <a16:creationId xmlns:a16="http://schemas.microsoft.com/office/drawing/2014/main" id="{57D89C19-8A43-E841-AF22-9D1F847CE4FA}"/>
+              </a:ext>
+            </a:extLst>
+          </p:cNvPr>
+          <p:cNvCxnSpPr>
+            <a:cxnSpLocks/>
+          </p:cNvCxnSpPr>
+          <p:nvPr/>
+        </p:nvCxnSpPr>
+        <p:spPr>
+          <a:xfrm>
+            <a:off x="7152907" y="2442344"/>
+            <a:ext cx="0" cy="89068"/>
+          </a:xfrm>
+          <a:prstGeom prst="line">
+            <a:avLst/>
+          </a:prstGeom>
+          <a:ln>
+            <a:solidFill>
+              <a:schemeClr val="bg1">
+                <a:lumMod val="50000"/>
+              </a:schemeClr>
+            </a:solidFill>
+            <a:prstDash val="dash"/>
+          </a:ln>
+        </p:spPr>
+        <p:style>
+          <a:lnRef idx="1">
+            <a:schemeClr val="accent1"/>
+          </a:lnRef>
+          <a:fillRef idx="0">
+            <a:schemeClr val="accent1"/>
+          </a:fillRef>
+          <a:effectRef idx="0">
+            <a:schemeClr val="accent1"/>
+          </a:effectRef>
+          <a:fontRef idx="minor">
+            <a:schemeClr val="tx1"/>
+          </a:fontRef>
+        </p:style>
+      </p:cxnSp>
     </p:spTree>
     <p:extLst>
       <p:ext uri="{BB962C8B-B14F-4D97-AF65-F5344CB8AC3E}">
-        <p14:creationId xmlns:p14="http://schemas.microsoft.com/office/powerpoint/2010/main" val="1304616856"/>
+        <p14:creationId xmlns:p14="http://schemas.microsoft.com/office/powerpoint/2010/main" val="1816755280"/>
       </p:ext>
     </p:extLst>
   </p:cSld>
@@ -31559,7 +32390,7 @@
 </p:sld>
 </file>
 
-<file path=ppt/slides/slide37.xml><?xml version="1.0" encoding="utf-8"?>
+<file path=ppt/slides/slide38.xml><?xml version="1.0" encoding="utf-8"?>
 <p:sld xmlns:a="http://schemas.openxmlformats.org/drawingml/2006/main" xmlns:r="http://schemas.openxmlformats.org/officeDocument/2006/relationships" xmlns:p="http://schemas.openxmlformats.org/presentationml/2006/main">
   <p:cSld>
     <p:spTree>
@@ -31965,7 +32796,7 @@
 </p:sld>
 </file>
 
-<file path=ppt/slides/slide38.xml><?xml version="1.0" encoding="utf-8"?>
+<file path=ppt/slides/slide39.xml><?xml version="1.0" encoding="utf-8"?>
 <p:sld xmlns:a="http://schemas.openxmlformats.org/drawingml/2006/main" xmlns:r="http://schemas.openxmlformats.org/officeDocument/2006/relationships" xmlns:p="http://schemas.openxmlformats.org/presentationml/2006/main">
   <p:cSld>
     <p:spTree>
